--- a/docs/website/figures_webpage.pptx
+++ b/docs/website/figures_webpage.pptx
@@ -6,6 +6,7 @@
   </p:sldMasterIdLst>
   <p:sldIdLst>
     <p:sldId id="256" r:id="rId2"/>
+    <p:sldId id="257" r:id="rId3"/>
   </p:sldIdLst>
   <p:sldSz cx="12192000" cy="6858000"/>
   <p:notesSz cx="6858000" cy="9144000"/>
@@ -104,6 +105,11 @@
       </a:defRPr>
     </a:lvl9pPr>
   </p:defaultTextStyle>
+  <p:extLst>
+    <p:ext uri="{EFAFB233-063F-42B5-8137-9DF3F51BA10A}">
+      <p15:sldGuideLst xmlns:p15="http://schemas.microsoft.com/office/powerpoint/2012/main"/>
+    </p:ext>
+  </p:extLst>
 </p:presentation>
 </file>
 
@@ -149,7 +155,7 @@
           </a:lstStyle>
           <a:p>
             <a:r>
-              <a:rPr lang="de-DE" smtClean="0"/>
+              <a:rPr lang="de-DE"/>
               <a:t>Titelmasterformat durch Klicken bearbeiten</a:t>
             </a:r>
             <a:endParaRPr lang="en-US"/>
@@ -214,7 +220,7 @@
           </a:lstStyle>
           <a:p>
             <a:r>
-              <a:rPr lang="de-DE" smtClean="0"/>
+              <a:rPr lang="de-DE"/>
               <a:t>Formatvorlage des Untertitelmasters durch Klicken bearbeiten</a:t>
             </a:r>
             <a:endParaRPr lang="en-US"/>
@@ -238,7 +244,7 @@
           <a:p>
             <a:fld id="{6CCA0292-2276-49B7-AE54-2435EBD2BF23}" type="datetimeFigureOut">
               <a:rPr lang="en-US" smtClean="0"/>
-              <a:t>12/29/2019</a:t>
+              <a:t>12/30/2019</a:t>
             </a:fld>
             <a:endParaRPr lang="en-US"/>
           </a:p>
@@ -332,7 +338,7 @@
           <a:lstStyle/>
           <a:p>
             <a:r>
-              <a:rPr lang="de-DE" smtClean="0"/>
+              <a:rPr lang="de-DE"/>
               <a:t>Titelmasterformat durch Klicken bearbeiten</a:t>
             </a:r>
             <a:endParaRPr lang="en-US"/>
@@ -356,35 +362,35 @@
           <a:p>
             <a:pPr lvl="0"/>
             <a:r>
-              <a:rPr lang="de-DE" smtClean="0"/>
+              <a:rPr lang="de-DE"/>
               <a:t>Formatvorlagen des Textmasters bearbeiten</a:t>
             </a:r>
           </a:p>
           <a:p>
             <a:pPr lvl="1"/>
             <a:r>
-              <a:rPr lang="de-DE" smtClean="0"/>
+              <a:rPr lang="de-DE"/>
               <a:t>Zweite Ebene</a:t>
             </a:r>
           </a:p>
           <a:p>
             <a:pPr lvl="2"/>
             <a:r>
-              <a:rPr lang="de-DE" smtClean="0"/>
+              <a:rPr lang="de-DE"/>
               <a:t>Dritte Ebene</a:t>
             </a:r>
           </a:p>
           <a:p>
             <a:pPr lvl="3"/>
             <a:r>
-              <a:rPr lang="de-DE" smtClean="0"/>
+              <a:rPr lang="de-DE"/>
               <a:t>Vierte Ebene</a:t>
             </a:r>
           </a:p>
           <a:p>
             <a:pPr lvl="4"/>
             <a:r>
-              <a:rPr lang="de-DE" smtClean="0"/>
+              <a:rPr lang="de-DE"/>
               <a:t>Fünfte Ebene</a:t>
             </a:r>
             <a:endParaRPr lang="en-US"/>
@@ -408,7 +414,7 @@
           <a:p>
             <a:fld id="{6CCA0292-2276-49B7-AE54-2435EBD2BF23}" type="datetimeFigureOut">
               <a:rPr lang="en-US" smtClean="0"/>
-              <a:t>12/29/2019</a:t>
+              <a:t>12/30/2019</a:t>
             </a:fld>
             <a:endParaRPr lang="en-US"/>
           </a:p>
@@ -507,7 +513,7 @@
           <a:lstStyle/>
           <a:p>
             <a:r>
-              <a:rPr lang="de-DE" smtClean="0"/>
+              <a:rPr lang="de-DE"/>
               <a:t>Titelmasterformat durch Klicken bearbeiten</a:t>
             </a:r>
             <a:endParaRPr lang="en-US"/>
@@ -536,35 +542,35 @@
           <a:p>
             <a:pPr lvl="0"/>
             <a:r>
-              <a:rPr lang="de-DE" smtClean="0"/>
+              <a:rPr lang="de-DE"/>
               <a:t>Formatvorlagen des Textmasters bearbeiten</a:t>
             </a:r>
           </a:p>
           <a:p>
             <a:pPr lvl="1"/>
             <a:r>
-              <a:rPr lang="de-DE" smtClean="0"/>
+              <a:rPr lang="de-DE"/>
               <a:t>Zweite Ebene</a:t>
             </a:r>
           </a:p>
           <a:p>
             <a:pPr lvl="2"/>
             <a:r>
-              <a:rPr lang="de-DE" smtClean="0"/>
+              <a:rPr lang="de-DE"/>
               <a:t>Dritte Ebene</a:t>
             </a:r>
           </a:p>
           <a:p>
             <a:pPr lvl="3"/>
             <a:r>
-              <a:rPr lang="de-DE" smtClean="0"/>
+              <a:rPr lang="de-DE"/>
               <a:t>Vierte Ebene</a:t>
             </a:r>
           </a:p>
           <a:p>
             <a:pPr lvl="4"/>
             <a:r>
-              <a:rPr lang="de-DE" smtClean="0"/>
+              <a:rPr lang="de-DE"/>
               <a:t>Fünfte Ebene</a:t>
             </a:r>
             <a:endParaRPr lang="en-US"/>
@@ -588,7 +594,7 @@
           <a:p>
             <a:fld id="{6CCA0292-2276-49B7-AE54-2435EBD2BF23}" type="datetimeFigureOut">
               <a:rPr lang="en-US" smtClean="0"/>
-              <a:t>12/29/2019</a:t>
+              <a:t>12/30/2019</a:t>
             </a:fld>
             <a:endParaRPr lang="en-US"/>
           </a:p>
@@ -682,7 +688,7 @@
           <a:lstStyle/>
           <a:p>
             <a:r>
-              <a:rPr lang="de-DE" smtClean="0"/>
+              <a:rPr lang="de-DE"/>
               <a:t>Titelmasterformat durch Klicken bearbeiten</a:t>
             </a:r>
             <a:endParaRPr lang="en-US"/>
@@ -706,35 +712,35 @@
           <a:p>
             <a:pPr lvl="0"/>
             <a:r>
-              <a:rPr lang="de-DE" smtClean="0"/>
+              <a:rPr lang="de-DE"/>
               <a:t>Formatvorlagen des Textmasters bearbeiten</a:t>
             </a:r>
           </a:p>
           <a:p>
             <a:pPr lvl="1"/>
             <a:r>
-              <a:rPr lang="de-DE" smtClean="0"/>
+              <a:rPr lang="de-DE"/>
               <a:t>Zweite Ebene</a:t>
             </a:r>
           </a:p>
           <a:p>
             <a:pPr lvl="2"/>
             <a:r>
-              <a:rPr lang="de-DE" smtClean="0"/>
+              <a:rPr lang="de-DE"/>
               <a:t>Dritte Ebene</a:t>
             </a:r>
           </a:p>
           <a:p>
             <a:pPr lvl="3"/>
             <a:r>
-              <a:rPr lang="de-DE" smtClean="0"/>
+              <a:rPr lang="de-DE"/>
               <a:t>Vierte Ebene</a:t>
             </a:r>
           </a:p>
           <a:p>
             <a:pPr lvl="4"/>
             <a:r>
-              <a:rPr lang="de-DE" smtClean="0"/>
+              <a:rPr lang="de-DE"/>
               <a:t>Fünfte Ebene</a:t>
             </a:r>
             <a:endParaRPr lang="en-US"/>
@@ -758,7 +764,7 @@
           <a:p>
             <a:fld id="{6CCA0292-2276-49B7-AE54-2435EBD2BF23}" type="datetimeFigureOut">
               <a:rPr lang="en-US" smtClean="0"/>
-              <a:t>12/29/2019</a:t>
+              <a:t>12/30/2019</a:t>
             </a:fld>
             <a:endParaRPr lang="en-US"/>
           </a:p>
@@ -861,7 +867,7 @@
           </a:lstStyle>
           <a:p>
             <a:r>
-              <a:rPr lang="de-DE" smtClean="0"/>
+              <a:rPr lang="de-DE"/>
               <a:t>Titelmasterformat durch Klicken bearbeiten</a:t>
             </a:r>
             <a:endParaRPr lang="en-US"/>
@@ -981,7 +987,7 @@
           <a:p>
             <a:pPr lvl="0"/>
             <a:r>
-              <a:rPr lang="de-DE" smtClean="0"/>
+              <a:rPr lang="de-DE"/>
               <a:t>Formatvorlagen des Textmasters bearbeiten</a:t>
             </a:r>
           </a:p>
@@ -1004,7 +1010,7 @@
           <a:p>
             <a:fld id="{6CCA0292-2276-49B7-AE54-2435EBD2BF23}" type="datetimeFigureOut">
               <a:rPr lang="en-US" smtClean="0"/>
-              <a:t>12/29/2019</a:t>
+              <a:t>12/30/2019</a:t>
             </a:fld>
             <a:endParaRPr lang="en-US"/>
           </a:p>
@@ -1098,7 +1104,7 @@
           <a:lstStyle/>
           <a:p>
             <a:r>
-              <a:rPr lang="de-DE" smtClean="0"/>
+              <a:rPr lang="de-DE"/>
               <a:t>Titelmasterformat durch Klicken bearbeiten</a:t>
             </a:r>
             <a:endParaRPr lang="en-US"/>
@@ -1127,35 +1133,35 @@
           <a:p>
             <a:pPr lvl="0"/>
             <a:r>
-              <a:rPr lang="de-DE" smtClean="0"/>
+              <a:rPr lang="de-DE"/>
               <a:t>Formatvorlagen des Textmasters bearbeiten</a:t>
             </a:r>
           </a:p>
           <a:p>
             <a:pPr lvl="1"/>
             <a:r>
-              <a:rPr lang="de-DE" smtClean="0"/>
+              <a:rPr lang="de-DE"/>
               <a:t>Zweite Ebene</a:t>
             </a:r>
           </a:p>
           <a:p>
             <a:pPr lvl="2"/>
             <a:r>
-              <a:rPr lang="de-DE" smtClean="0"/>
+              <a:rPr lang="de-DE"/>
               <a:t>Dritte Ebene</a:t>
             </a:r>
           </a:p>
           <a:p>
             <a:pPr lvl="3"/>
             <a:r>
-              <a:rPr lang="de-DE" smtClean="0"/>
+              <a:rPr lang="de-DE"/>
               <a:t>Vierte Ebene</a:t>
             </a:r>
           </a:p>
           <a:p>
             <a:pPr lvl="4"/>
             <a:r>
-              <a:rPr lang="de-DE" smtClean="0"/>
+              <a:rPr lang="de-DE"/>
               <a:t>Fünfte Ebene</a:t>
             </a:r>
             <a:endParaRPr lang="en-US"/>
@@ -1184,35 +1190,35 @@
           <a:p>
             <a:pPr lvl="0"/>
             <a:r>
-              <a:rPr lang="de-DE" smtClean="0"/>
+              <a:rPr lang="de-DE"/>
               <a:t>Formatvorlagen des Textmasters bearbeiten</a:t>
             </a:r>
           </a:p>
           <a:p>
             <a:pPr lvl="1"/>
             <a:r>
-              <a:rPr lang="de-DE" smtClean="0"/>
+              <a:rPr lang="de-DE"/>
               <a:t>Zweite Ebene</a:t>
             </a:r>
           </a:p>
           <a:p>
             <a:pPr lvl="2"/>
             <a:r>
-              <a:rPr lang="de-DE" smtClean="0"/>
+              <a:rPr lang="de-DE"/>
               <a:t>Dritte Ebene</a:t>
             </a:r>
           </a:p>
           <a:p>
             <a:pPr lvl="3"/>
             <a:r>
-              <a:rPr lang="de-DE" smtClean="0"/>
+              <a:rPr lang="de-DE"/>
               <a:t>Vierte Ebene</a:t>
             </a:r>
           </a:p>
           <a:p>
             <a:pPr lvl="4"/>
             <a:r>
-              <a:rPr lang="de-DE" smtClean="0"/>
+              <a:rPr lang="de-DE"/>
               <a:t>Fünfte Ebene</a:t>
             </a:r>
             <a:endParaRPr lang="en-US"/>
@@ -1236,7 +1242,7 @@
           <a:p>
             <a:fld id="{6CCA0292-2276-49B7-AE54-2435EBD2BF23}" type="datetimeFigureOut">
               <a:rPr lang="en-US" smtClean="0"/>
-              <a:t>12/29/2019</a:t>
+              <a:t>12/30/2019</a:t>
             </a:fld>
             <a:endParaRPr lang="en-US"/>
           </a:p>
@@ -1335,7 +1341,7 @@
           <a:lstStyle/>
           <a:p>
             <a:r>
-              <a:rPr lang="de-DE" smtClean="0"/>
+              <a:rPr lang="de-DE"/>
               <a:t>Titelmasterformat durch Klicken bearbeiten</a:t>
             </a:r>
             <a:endParaRPr lang="en-US"/>
@@ -1401,7 +1407,7 @@
           <a:p>
             <a:pPr lvl="0"/>
             <a:r>
-              <a:rPr lang="de-DE" smtClean="0"/>
+              <a:rPr lang="de-DE"/>
               <a:t>Formatvorlagen des Textmasters bearbeiten</a:t>
             </a:r>
           </a:p>
@@ -1429,35 +1435,35 @@
           <a:p>
             <a:pPr lvl="0"/>
             <a:r>
-              <a:rPr lang="de-DE" smtClean="0"/>
+              <a:rPr lang="de-DE"/>
               <a:t>Formatvorlagen des Textmasters bearbeiten</a:t>
             </a:r>
           </a:p>
           <a:p>
             <a:pPr lvl="1"/>
             <a:r>
-              <a:rPr lang="de-DE" smtClean="0"/>
+              <a:rPr lang="de-DE"/>
               <a:t>Zweite Ebene</a:t>
             </a:r>
           </a:p>
           <a:p>
             <a:pPr lvl="2"/>
             <a:r>
-              <a:rPr lang="de-DE" smtClean="0"/>
+              <a:rPr lang="de-DE"/>
               <a:t>Dritte Ebene</a:t>
             </a:r>
           </a:p>
           <a:p>
             <a:pPr lvl="3"/>
             <a:r>
-              <a:rPr lang="de-DE" smtClean="0"/>
+              <a:rPr lang="de-DE"/>
               <a:t>Vierte Ebene</a:t>
             </a:r>
           </a:p>
           <a:p>
             <a:pPr lvl="4"/>
             <a:r>
-              <a:rPr lang="de-DE" smtClean="0"/>
+              <a:rPr lang="de-DE"/>
               <a:t>Fünfte Ebene</a:t>
             </a:r>
             <a:endParaRPr lang="en-US"/>
@@ -1523,7 +1529,7 @@
           <a:p>
             <a:pPr lvl="0"/>
             <a:r>
-              <a:rPr lang="de-DE" smtClean="0"/>
+              <a:rPr lang="de-DE"/>
               <a:t>Formatvorlagen des Textmasters bearbeiten</a:t>
             </a:r>
           </a:p>
@@ -1551,35 +1557,35 @@
           <a:p>
             <a:pPr lvl="0"/>
             <a:r>
-              <a:rPr lang="de-DE" smtClean="0"/>
+              <a:rPr lang="de-DE"/>
               <a:t>Formatvorlagen des Textmasters bearbeiten</a:t>
             </a:r>
           </a:p>
           <a:p>
             <a:pPr lvl="1"/>
             <a:r>
-              <a:rPr lang="de-DE" smtClean="0"/>
+              <a:rPr lang="de-DE"/>
               <a:t>Zweite Ebene</a:t>
             </a:r>
           </a:p>
           <a:p>
             <a:pPr lvl="2"/>
             <a:r>
-              <a:rPr lang="de-DE" smtClean="0"/>
+              <a:rPr lang="de-DE"/>
               <a:t>Dritte Ebene</a:t>
             </a:r>
           </a:p>
           <a:p>
             <a:pPr lvl="3"/>
             <a:r>
-              <a:rPr lang="de-DE" smtClean="0"/>
+              <a:rPr lang="de-DE"/>
               <a:t>Vierte Ebene</a:t>
             </a:r>
           </a:p>
           <a:p>
             <a:pPr lvl="4"/>
             <a:r>
-              <a:rPr lang="de-DE" smtClean="0"/>
+              <a:rPr lang="de-DE"/>
               <a:t>Fünfte Ebene</a:t>
             </a:r>
             <a:endParaRPr lang="en-US"/>
@@ -1603,7 +1609,7 @@
           <a:p>
             <a:fld id="{6CCA0292-2276-49B7-AE54-2435EBD2BF23}" type="datetimeFigureOut">
               <a:rPr lang="en-US" smtClean="0"/>
-              <a:t>12/29/2019</a:t>
+              <a:t>12/30/2019</a:t>
             </a:fld>
             <a:endParaRPr lang="en-US"/>
           </a:p>
@@ -1697,7 +1703,7 @@
           <a:lstStyle/>
           <a:p>
             <a:r>
-              <a:rPr lang="de-DE" smtClean="0"/>
+              <a:rPr lang="de-DE"/>
               <a:t>Titelmasterformat durch Klicken bearbeiten</a:t>
             </a:r>
             <a:endParaRPr lang="en-US"/>
@@ -1721,7 +1727,7 @@
           <a:p>
             <a:fld id="{6CCA0292-2276-49B7-AE54-2435EBD2BF23}" type="datetimeFigureOut">
               <a:rPr lang="en-US" smtClean="0"/>
-              <a:t>12/29/2019</a:t>
+              <a:t>12/30/2019</a:t>
             </a:fld>
             <a:endParaRPr lang="en-US"/>
           </a:p>
@@ -1816,7 +1822,7 @@
           <a:p>
             <a:fld id="{6CCA0292-2276-49B7-AE54-2435EBD2BF23}" type="datetimeFigureOut">
               <a:rPr lang="en-US" smtClean="0"/>
-              <a:t>12/29/2019</a:t>
+              <a:t>12/30/2019</a:t>
             </a:fld>
             <a:endParaRPr lang="en-US"/>
           </a:p>
@@ -1919,7 +1925,7 @@
           </a:lstStyle>
           <a:p>
             <a:r>
-              <a:rPr lang="de-DE" smtClean="0"/>
+              <a:rPr lang="de-DE"/>
               <a:t>Titelmasterformat durch Klicken bearbeiten</a:t>
             </a:r>
             <a:endParaRPr lang="en-US"/>
@@ -1976,35 +1982,35 @@
           <a:p>
             <a:pPr lvl="0"/>
             <a:r>
-              <a:rPr lang="de-DE" smtClean="0"/>
+              <a:rPr lang="de-DE"/>
               <a:t>Formatvorlagen des Textmasters bearbeiten</a:t>
             </a:r>
           </a:p>
           <a:p>
             <a:pPr lvl="1"/>
             <a:r>
-              <a:rPr lang="de-DE" smtClean="0"/>
+              <a:rPr lang="de-DE"/>
               <a:t>Zweite Ebene</a:t>
             </a:r>
           </a:p>
           <a:p>
             <a:pPr lvl="2"/>
             <a:r>
-              <a:rPr lang="de-DE" smtClean="0"/>
+              <a:rPr lang="de-DE"/>
               <a:t>Dritte Ebene</a:t>
             </a:r>
           </a:p>
           <a:p>
             <a:pPr lvl="3"/>
             <a:r>
-              <a:rPr lang="de-DE" smtClean="0"/>
+              <a:rPr lang="de-DE"/>
               <a:t>Vierte Ebene</a:t>
             </a:r>
           </a:p>
           <a:p>
             <a:pPr lvl="4"/>
             <a:r>
-              <a:rPr lang="de-DE" smtClean="0"/>
+              <a:rPr lang="de-DE"/>
               <a:t>Fünfte Ebene</a:t>
             </a:r>
             <a:endParaRPr lang="en-US"/>
@@ -2070,7 +2076,7 @@
           <a:p>
             <a:pPr lvl="0"/>
             <a:r>
-              <a:rPr lang="de-DE" smtClean="0"/>
+              <a:rPr lang="de-DE"/>
               <a:t>Formatvorlagen des Textmasters bearbeiten</a:t>
             </a:r>
           </a:p>
@@ -2093,7 +2099,7 @@
           <a:p>
             <a:fld id="{6CCA0292-2276-49B7-AE54-2435EBD2BF23}" type="datetimeFigureOut">
               <a:rPr lang="en-US" smtClean="0"/>
-              <a:t>12/29/2019</a:t>
+              <a:t>12/30/2019</a:t>
             </a:fld>
             <a:endParaRPr lang="en-US"/>
           </a:p>
@@ -2196,7 +2202,7 @@
           </a:lstStyle>
           <a:p>
             <a:r>
-              <a:rPr lang="de-DE" smtClean="0"/>
+              <a:rPr lang="de-DE"/>
               <a:t>Titelmasterformat durch Klicken bearbeiten</a:t>
             </a:r>
             <a:endParaRPr lang="en-US"/>
@@ -2323,7 +2329,7 @@
           <a:p>
             <a:pPr lvl="0"/>
             <a:r>
-              <a:rPr lang="de-DE" smtClean="0"/>
+              <a:rPr lang="de-DE"/>
               <a:t>Formatvorlagen des Textmasters bearbeiten</a:t>
             </a:r>
           </a:p>
@@ -2346,7 +2352,7 @@
           <a:p>
             <a:fld id="{6CCA0292-2276-49B7-AE54-2435EBD2BF23}" type="datetimeFigureOut">
               <a:rPr lang="en-US" smtClean="0"/>
-              <a:t>12/29/2019</a:t>
+              <a:t>12/30/2019</a:t>
             </a:fld>
             <a:endParaRPr lang="en-US"/>
           </a:p>
@@ -2455,7 +2461,7 @@
           <a:lstStyle/>
           <a:p>
             <a:r>
-              <a:rPr lang="de-DE" smtClean="0"/>
+              <a:rPr lang="de-DE"/>
               <a:t>Titelmasterformat durch Klicken bearbeiten</a:t>
             </a:r>
             <a:endParaRPr lang="en-US"/>
@@ -2489,35 +2495,35 @@
           <a:p>
             <a:pPr lvl="0"/>
             <a:r>
-              <a:rPr lang="de-DE" smtClean="0"/>
+              <a:rPr lang="de-DE"/>
               <a:t>Formatvorlagen des Textmasters bearbeiten</a:t>
             </a:r>
           </a:p>
           <a:p>
             <a:pPr lvl="1"/>
             <a:r>
-              <a:rPr lang="de-DE" smtClean="0"/>
+              <a:rPr lang="de-DE"/>
               <a:t>Zweite Ebene</a:t>
             </a:r>
           </a:p>
           <a:p>
             <a:pPr lvl="2"/>
             <a:r>
-              <a:rPr lang="de-DE" smtClean="0"/>
+              <a:rPr lang="de-DE"/>
               <a:t>Dritte Ebene</a:t>
             </a:r>
           </a:p>
           <a:p>
             <a:pPr lvl="3"/>
             <a:r>
-              <a:rPr lang="de-DE" smtClean="0"/>
+              <a:rPr lang="de-DE"/>
               <a:t>Vierte Ebene</a:t>
             </a:r>
           </a:p>
           <a:p>
             <a:pPr lvl="4"/>
             <a:r>
-              <a:rPr lang="de-DE" smtClean="0"/>
+              <a:rPr lang="de-DE"/>
               <a:t>Fünfte Ebene</a:t>
             </a:r>
             <a:endParaRPr lang="en-US"/>
@@ -2559,7 +2565,7 @@
           <a:p>
             <a:fld id="{6CCA0292-2276-49B7-AE54-2435EBD2BF23}" type="datetimeFigureOut">
               <a:rPr lang="en-US" smtClean="0"/>
-              <a:t>12/29/2019</a:t>
+              <a:t>12/30/2019</a:t>
             </a:fld>
             <a:endParaRPr lang="en-US"/>
           </a:p>
@@ -3062,7 +3068,7 @@
       </p:pic>
       <p:pic>
         <p:nvPicPr>
-          <p:cNvPr id="10" name="Grafik 9"/>
+          <p:cNvPr id="11" name="Grafik 10"/>
           <p:cNvPicPr>
             <a:picLocks noChangeAspect="1"/>
           </p:cNvPicPr>
@@ -3070,30 +3076,6 @@
         </p:nvPicPr>
         <p:blipFill>
           <a:blip r:embed="rId6"/>
-          <a:stretch>
-            <a:fillRect/>
-          </a:stretch>
-        </p:blipFill>
-        <p:spPr>
-          <a:xfrm>
-            <a:off x="662786" y="990323"/>
-            <a:ext cx="4096724" cy="3307753"/>
-          </a:xfrm>
-          <a:prstGeom prst="rect">
-            <a:avLst/>
-          </a:prstGeom>
-        </p:spPr>
-      </p:pic>
-      <p:pic>
-        <p:nvPicPr>
-          <p:cNvPr id="11" name="Grafik 10"/>
-          <p:cNvPicPr>
-            <a:picLocks noChangeAspect="1"/>
-          </p:cNvPicPr>
-          <p:nvPr/>
-        </p:nvPicPr>
-        <p:blipFill>
-          <a:blip r:embed="rId7"/>
           <a:stretch>
             <a:fillRect/>
           </a:stretch>
@@ -3112,6 +3094,66 @@
     <p:extLst>
       <p:ext uri="{BB962C8B-B14F-4D97-AF65-F5344CB8AC3E}">
         <p14:creationId xmlns:p14="http://schemas.microsoft.com/office/powerpoint/2010/main" val="3693467663"/>
+      </p:ext>
+    </p:extLst>
+  </p:cSld>
+  <p:clrMapOvr>
+    <a:masterClrMapping/>
+  </p:clrMapOvr>
+</p:sld>
+</file>
+
+<file path=ppt/slides/slide2.xml><?xml version="1.0" encoding="utf-8"?>
+<p:sld xmlns:a="http://schemas.openxmlformats.org/drawingml/2006/main" xmlns:r="http://schemas.openxmlformats.org/officeDocument/2006/relationships" xmlns:p="http://schemas.openxmlformats.org/presentationml/2006/main">
+  <p:cSld>
+    <p:spTree>
+      <p:nvGrpSpPr>
+        <p:cNvPr id="1" name=""/>
+        <p:cNvGrpSpPr/>
+        <p:nvPr/>
+      </p:nvGrpSpPr>
+      <p:grpSpPr>
+        <a:xfrm>
+          <a:off x="0" y="0"/>
+          <a:ext cx="0" cy="0"/>
+          <a:chOff x="0" y="0"/>
+          <a:chExt cx="0" cy="0"/>
+        </a:xfrm>
+      </p:grpSpPr>
+      <p:pic>
+        <p:nvPicPr>
+          <p:cNvPr id="4" name="Grafik 3">
+            <a:extLst>
+              <a:ext uri="{FF2B5EF4-FFF2-40B4-BE49-F238E27FC236}">
+                <a16:creationId xmlns:a16="http://schemas.microsoft.com/office/drawing/2014/main" id="{A12CE781-F718-4B7D-936D-8EE35853FDD7}"/>
+              </a:ext>
+            </a:extLst>
+          </p:cNvPr>
+          <p:cNvPicPr>
+            <a:picLocks noChangeAspect="1"/>
+          </p:cNvPicPr>
+          <p:nvPr/>
+        </p:nvPicPr>
+        <p:blipFill>
+          <a:blip r:embed="rId2"/>
+          <a:stretch>
+            <a:fillRect/>
+          </a:stretch>
+        </p:blipFill>
+        <p:spPr>
+          <a:xfrm>
+            <a:off x="177619" y="0"/>
+            <a:ext cx="11836762" cy="6858000"/>
+          </a:xfrm>
+          <a:prstGeom prst="rect">
+            <a:avLst/>
+          </a:prstGeom>
+        </p:spPr>
+      </p:pic>
+    </p:spTree>
+    <p:extLst>
+      <p:ext uri="{BB962C8B-B14F-4D97-AF65-F5344CB8AC3E}">
+        <p14:creationId xmlns:p14="http://schemas.microsoft.com/office/powerpoint/2010/main" val="2493889183"/>
       </p:ext>
     </p:extLst>
   </p:cSld>
